--- a/docs/PresentationWalter.pptx
+++ b/docs/PresentationWalter.pptx
@@ -126,6 +126,14 @@
     </p:ext>
   </p:extLst>
 </p:presentation>
+</file>
+
+<file path=ppt/revisionInfo.xml><?xml version="1.0" encoding="utf-8"?>
+<p1510:revInfo xmlns:a="http://schemas.openxmlformats.org/drawingml/2006/main" xmlns:r="http://schemas.openxmlformats.org/officeDocument/2006/relationships" xmlns:p1510="http://schemas.microsoft.com/office/powerpoint/2015/10/main">
+  <p1510:revLst>
+    <p1510:client id="{AE13E933-B53D-123A-C61F-FD2E1F6FA75E}" v="12" dt="2023-11-12T19:21:17.277"/>
+  </p1510:revLst>
+</p1510:revInfo>
 </file>
 
 <file path=ppt/slideLayouts/slideLayout1.xml><?xml version="1.0" encoding="utf-8"?>
@@ -11123,34 +11131,12 @@
       </p:grpSpPr>
       <p:pic>
         <p:nvPicPr>
-          <p:cNvPr id="2" name="object 2"/>
+          <p:cNvPr id="3" name="object 3"/>
           <p:cNvPicPr/>
           <p:nvPr/>
         </p:nvPicPr>
         <p:blipFill>
           <a:blip r:embed="rId2" cstate="print"/>
-          <a:stretch>
-            <a:fillRect/>
-          </a:stretch>
-        </p:blipFill>
-        <p:spPr>
-          <a:xfrm>
-            <a:off x="7525949" y="777875"/>
-            <a:ext cx="5067908" cy="971174"/>
-          </a:xfrm>
-          <a:prstGeom prst="rect">
-            <a:avLst/>
-          </a:prstGeom>
-        </p:spPr>
-      </p:pic>
-      <p:pic>
-        <p:nvPicPr>
-          <p:cNvPr id="3" name="object 3"/>
-          <p:cNvPicPr/>
-          <p:nvPr/>
-        </p:nvPicPr>
-        <p:blipFill>
-          <a:blip r:embed="rId3" cstate="print"/>
           <a:stretch>
             <a:fillRect/>
           </a:stretch>
@@ -11180,7 +11166,7 @@
           <p:nvPr/>
         </p:nvPicPr>
         <p:blipFill>
-          <a:blip r:embed="rId4">
+          <a:blip r:embed="rId3">
             <a:extLst>
               <a:ext uri="{28A0092B-C50C-407E-A947-70E740481C1C}">
                 <a14:useLocalDpi xmlns:a14="http://schemas.microsoft.com/office/drawing/2010/main" val="0"/>
@@ -11195,6 +11181,36 @@
           <a:xfrm>
             <a:off x="11404393" y="1958181"/>
             <a:ext cx="7428647" cy="7392988"/>
+          </a:xfrm>
+          <a:prstGeom prst="rect">
+            <a:avLst/>
+          </a:prstGeom>
+        </p:spPr>
+      </p:pic>
+      <p:pic>
+        <p:nvPicPr>
+          <p:cNvPr id="6" name="Картина 5" descr="Картина, която съдържа Шрифт, Графика, лого, графичен дизайн&#10;&#10;Описанието е генерирано автоматично">
+            <a:extLst>
+              <a:ext uri="{FF2B5EF4-FFF2-40B4-BE49-F238E27FC236}">
+                <a16:creationId xmlns:a16="http://schemas.microsoft.com/office/drawing/2014/main" id="{32B171DA-408D-7866-D169-71ED4377B64E}"/>
+              </a:ext>
+            </a:extLst>
+          </p:cNvPr>
+          <p:cNvPicPr>
+            <a:picLocks noChangeAspect="1"/>
+          </p:cNvPicPr>
+          <p:nvPr/>
+        </p:nvPicPr>
+        <p:blipFill>
+          <a:blip r:embed="rId4"/>
+          <a:stretch>
+            <a:fillRect/>
+          </a:stretch>
+        </p:blipFill>
+        <p:spPr>
+          <a:xfrm>
+            <a:off x="7485872" y="782655"/>
+            <a:ext cx="5121157" cy="991873"/>
           </a:xfrm>
           <a:prstGeom prst="rect">
             <a:avLst/>
